--- a/연구실_로고_PPT템플릿/[MINI]_CryptoCraft Lab PPT 양식.pptx
+++ b/연구실_로고_PPT템플릿/[MINI]_CryptoCraft Lab PPT 양식.pptx
@@ -218,7 +218,7 @@
           <a:p>
             <a:fld id="{45546E7E-6CE1-4F62-BC39-1BE7148D0D0D}" type="datetimeFigureOut">
               <a:rPr lang="ko-KR" altLang="en-US" smtClean="0"/>
-              <a:t>2021-08-16</a:t>
+              <a:t>2021-08-17</a:t>
             </a:fld>
             <a:endParaRPr lang="ko-KR" altLang="en-US"/>
           </a:p>
@@ -383,7 +383,7 @@
           <a:p>
             <a:fld id="{6B8A1C54-2D0D-48EB-888A-9786B070F533}" type="datetimeFigureOut">
               <a:rPr lang="ko-KR" altLang="en-US" smtClean="0"/>
-              <a:t>2021-08-16</a:t>
+              <a:t>2021-08-17</a:t>
             </a:fld>
             <a:endParaRPr lang="ko-KR" altLang="en-US"/>
           </a:p>
@@ -1035,7 +1035,7 @@
         </p:nvCxnSpPr>
         <p:spPr>
           <a:xfrm>
-            <a:off x="4863597" y="2208981"/>
+            <a:off x="4863597" y="2676555"/>
             <a:ext cx="1994074" cy="0"/>
           </a:xfrm>
           <a:prstGeom prst="line">
@@ -1074,7 +1074,7 @@
         </p:nvSpPr>
         <p:spPr>
           <a:xfrm>
-            <a:off x="1055592" y="1691017"/>
+            <a:off x="1055592" y="2158591"/>
             <a:ext cx="10071852" cy="718952"/>
           </a:xfrm>
           <a:ln w="28575">
@@ -1127,7 +1127,7 @@
         </p:nvSpPr>
         <p:spPr>
           <a:xfrm>
-            <a:off x="1055592" y="2606858"/>
+            <a:off x="1055592" y="3074432"/>
             <a:ext cx="10071850" cy="718952"/>
           </a:xfrm>
           <a:ln w="28575">
@@ -1180,7 +1180,7 @@
         </p:nvSpPr>
         <p:spPr>
           <a:xfrm>
-            <a:off x="1055592" y="3526039"/>
+            <a:off x="1055592" y="3993613"/>
             <a:ext cx="10071850" cy="718952"/>
           </a:xfrm>
           <a:ln w="28575">
@@ -1223,59 +1223,6 @@
       </p:sp>
       <p:sp>
         <p:nvSpPr>
-          <p:cNvPr id="79" name="텍스트 개체 틀 4"/>
-          <p:cNvSpPr>
-            <a:spLocks noGrp="1"/>
-          </p:cNvSpPr>
-          <p:nvPr>
-            <p:ph type="body" sz="quarter" idx="29" hasCustomPrompt="1"/>
-          </p:nvPr>
-        </p:nvSpPr>
-        <p:spPr>
-          <a:xfrm>
-            <a:off x="1055593" y="4441880"/>
-            <a:ext cx="10071849" cy="718952"/>
-          </a:xfrm>
-          <a:ln w="28575">
-            <a:noFill/>
-          </a:ln>
-        </p:spPr>
-        <p:txBody>
-          <a:bodyPr anchor="ctr">
-            <a:normAutofit/>
-          </a:bodyPr>
-          <a:lstStyle>
-            <a:lvl1pPr marL="0" indent="0">
-              <a:buNone/>
-              <a:defRPr sz="2800" b="0" baseline="0">
-                <a:ln>
-                  <a:solidFill>
-                    <a:schemeClr val="bg2">
-                      <a:lumMod val="25000"/>
-                    </a:schemeClr>
-                  </a:solidFill>
-                </a:ln>
-                <a:solidFill>
-                  <a:schemeClr val="bg2">
-                    <a:lumMod val="25000"/>
-                  </a:schemeClr>
-                </a:solidFill>
-                <a:latin typeface="+mn-ea"/>
-                <a:ea typeface="+mn-ea"/>
-              </a:defRPr>
-            </a:lvl1pPr>
-          </a:lstStyle>
-          <a:p>
-            <a:pPr lvl="0"/>
-            <a:r>
-              <a:rPr lang="ko-KR" altLang="en-US" dirty="0"/>
-              <a:t>제목</a:t>
-            </a:r>
-          </a:p>
-        </p:txBody>
-      </p:sp>
-      <p:sp>
-        <p:nvSpPr>
           <p:cNvPr id="11" name="모서리가 둥근 직사각형 19">
             <a:extLst>
               <a:ext uri="{FF2B5EF4-FFF2-40B4-BE49-F238E27FC236}">
@@ -1288,7 +1235,7 @@
         </p:nvSpPr>
         <p:spPr>
           <a:xfrm>
-            <a:off x="1064556" y="1691018"/>
+            <a:off x="1064556" y="2158592"/>
             <a:ext cx="10062886" cy="715612"/>
           </a:xfrm>
           <a:prstGeom prst="roundRect">
@@ -1342,7 +1289,7 @@
         </p:nvSpPr>
         <p:spPr>
           <a:xfrm>
-            <a:off x="1064556" y="2603620"/>
+            <a:off x="1064556" y="3071194"/>
             <a:ext cx="10062886" cy="715612"/>
           </a:xfrm>
           <a:prstGeom prst="roundRect">
@@ -1396,61 +1343,7 @@
         </p:nvSpPr>
         <p:spPr>
           <a:xfrm>
-            <a:off x="1064556" y="3532617"/>
-            <a:ext cx="10062886" cy="715612"/>
-          </a:xfrm>
-          <a:prstGeom prst="roundRect">
-            <a:avLst/>
-          </a:prstGeom>
-          <a:noFill/>
-          <a:ln w="19050">
-            <a:solidFill>
-              <a:schemeClr val="accent1">
-                <a:lumMod val="75000"/>
-              </a:schemeClr>
-            </a:solidFill>
-          </a:ln>
-        </p:spPr>
-        <p:style>
-          <a:lnRef idx="2">
-            <a:schemeClr val="accent1">
-              <a:shade val="50000"/>
-            </a:schemeClr>
-          </a:lnRef>
-          <a:fillRef idx="1">
-            <a:schemeClr val="accent1"/>
-          </a:fillRef>
-          <a:effectRef idx="0">
-            <a:schemeClr val="accent1"/>
-          </a:effectRef>
-          <a:fontRef idx="minor">
-            <a:schemeClr val="lt1"/>
-          </a:fontRef>
-        </p:style>
-        <p:txBody>
-          <a:bodyPr rtlCol="0" anchor="ctr"/>
-          <a:lstStyle/>
-          <a:p>
-            <a:pPr algn="ctr"/>
-            <a:endParaRPr lang="ko-KR" altLang="en-US"/>
-          </a:p>
-        </p:txBody>
-      </p:sp>
-      <p:sp>
-        <p:nvSpPr>
-          <p:cNvPr id="14" name="모서리가 둥근 직사각형 19">
-            <a:extLst>
-              <a:ext uri="{FF2B5EF4-FFF2-40B4-BE49-F238E27FC236}">
-                <a16:creationId xmlns:a16="http://schemas.microsoft.com/office/drawing/2014/main" id="{7B5C337D-B310-4C62-8229-6DD25DC8C899}"/>
-              </a:ext>
-            </a:extLst>
-          </p:cNvPr>
-          <p:cNvSpPr/>
-          <p:nvPr userDrawn="1"/>
-        </p:nvSpPr>
-        <p:spPr>
-          <a:xfrm>
-            <a:off x="1064556" y="4445220"/>
+            <a:off x="1064556" y="4000191"/>
             <a:ext cx="10062886" cy="715612"/>
           </a:xfrm>
           <a:prstGeom prst="roundRect">
@@ -2726,10 +2619,15 @@
             <a:spLocks noGrp="1"/>
           </p:cNvSpPr>
           <p:nvPr>
-            <p:ph type="body" sz="quarter" idx="29"/>
+            <p:ph type="body" sz="quarter" idx="4294967295"/>
           </p:nvPr>
         </p:nvSpPr>
-        <p:spPr/>
+        <p:spPr>
+          <a:xfrm>
+            <a:off x="1055593" y="4441880"/>
+            <a:ext cx="10071849" cy="718952"/>
+          </a:xfrm>
+        </p:spPr>
         <p:txBody>
           <a:bodyPr/>
           <a:lstStyle/>

--- a/연구실_로고_PPT템플릿/[MINI]_CryptoCraft Lab PPT 양식.pptx
+++ b/연구실_로고_PPT템플릿/[MINI]_CryptoCraft Lab PPT 양식.pptx
@@ -2612,30 +2612,6 @@
           </a:p>
         </p:txBody>
       </p:sp>
-      <p:sp>
-        <p:nvSpPr>
-          <p:cNvPr id="5" name="텍스트 개체 틀 4"/>
-          <p:cNvSpPr>
-            <a:spLocks noGrp="1"/>
-          </p:cNvSpPr>
-          <p:nvPr>
-            <p:ph type="body" sz="quarter" idx="4294967295"/>
-          </p:nvPr>
-        </p:nvSpPr>
-        <p:spPr>
-          <a:xfrm>
-            <a:off x="1055593" y="4441880"/>
-            <a:ext cx="10071849" cy="718952"/>
-          </a:xfrm>
-        </p:spPr>
-        <p:txBody>
-          <a:bodyPr/>
-          <a:lstStyle/>
-          <a:p>
-            <a:endParaRPr lang="ko-KR" altLang="en-US"/>
-          </a:p>
-        </p:txBody>
-      </p:sp>
     </p:spTree>
     <p:extLst>
       <p:ext uri="{BB962C8B-B14F-4D97-AF65-F5344CB8AC3E}">
